--- a/doc/Spec Security Log Analyzer.pptx
+++ b/doc/Spec Security Log Analyzer.pptx
@@ -5,7 +5,7 @@
     <p:sldMasterId id="2147483648" r:id="rId1"/>
   </p:sldMasterIdLst>
   <p:notesMasterIdLst>
-    <p:notesMasterId r:id="rId11"/>
+    <p:notesMasterId r:id="rId12"/>
   </p:notesMasterIdLst>
   <p:sldIdLst>
     <p:sldId id="256" r:id="rId2"/>
@@ -16,7 +16,8 @@
     <p:sldId id="266" r:id="rId7"/>
     <p:sldId id="258" r:id="rId8"/>
     <p:sldId id="262" r:id="rId9"/>
-    <p:sldId id="264" r:id="rId10"/>
+    <p:sldId id="267" r:id="rId10"/>
+    <p:sldId id="264" r:id="rId11"/>
   </p:sldIdLst>
   <p:sldSz cx="12192000" cy="6858000"/>
   <p:notesSz cx="6858000" cy="9144000"/>
@@ -117,7 +118,7 @@
   </p:defaultTextStyle>
   <p:extLst>
     <p:ext uri="{EFAFB233-063F-42B5-8137-9DF3F51BA10A}">
-      <p15:sldGuideLst xmlns="" xmlns:p15="http://schemas.microsoft.com/office/powerpoint/2012/main">
+      <p15:sldGuideLst xmlns:p15="http://schemas.microsoft.com/office/powerpoint/2012/main" xmlns="">
         <p15:guide id="1" orient="horz" pos="2160">
           <p15:clr>
             <a:srgbClr val="A4A3A4"/>
@@ -216,7 +217,7 @@
           <a:p>
             <a:fld id="{D091D796-D84B-41BA-9A25-A2B2B79A780E}" type="datetimeFigureOut">
               <a:rPr lang="en-US" smtClean="0"/>
-              <a:t>4/25/2015</a:t>
+              <a:t>4/29/2015</a:t>
             </a:fld>
             <a:endParaRPr lang="en-US"/>
           </a:p>
@@ -615,7 +616,7 @@
           <a:p>
             <a:fld id="{852D4C0A-3B31-498E-96E8-903C4F1CD990}" type="datetime1">
               <a:rPr lang="en-US" smtClean="0"/>
-              <a:t>4/25/2015</a:t>
+              <a:t>4/29/2015</a:t>
             </a:fld>
             <a:endParaRPr lang="en-US"/>
           </a:p>
@@ -789,7 +790,7 @@
           <a:p>
             <a:fld id="{05131986-BEA0-421B-BEFA-A5BDF1068831}" type="datetime1">
               <a:rPr lang="en-US" smtClean="0"/>
-              <a:t>4/25/2015</a:t>
+              <a:t>4/29/2015</a:t>
             </a:fld>
             <a:endParaRPr lang="en-US"/>
           </a:p>
@@ -973,7 +974,7 @@
           <a:p>
             <a:fld id="{449D1A6F-1D00-4933-9E4B-C28F7AEC15B9}" type="datetime1">
               <a:rPr lang="en-US" smtClean="0"/>
-              <a:t>4/25/2015</a:t>
+              <a:t>4/29/2015</a:t>
             </a:fld>
             <a:endParaRPr lang="en-US"/>
           </a:p>
@@ -1147,7 +1148,7 @@
           <a:p>
             <a:fld id="{7631D05C-E617-4BCA-8C01-323BFA9EDBE9}" type="datetime1">
               <a:rPr lang="en-US" smtClean="0"/>
-              <a:t>4/25/2015</a:t>
+              <a:t>4/29/2015</a:t>
             </a:fld>
             <a:endParaRPr lang="en-US"/>
           </a:p>
@@ -1397,7 +1398,7 @@
           <a:p>
             <a:fld id="{3BCFF37A-594E-42EB-9197-C077586AC34B}" type="datetime1">
               <a:rPr lang="en-US" smtClean="0"/>
-              <a:t>4/25/2015</a:t>
+              <a:t>4/29/2015</a:t>
             </a:fld>
             <a:endParaRPr lang="en-US"/>
           </a:p>
@@ -1633,7 +1634,7 @@
           <a:p>
             <a:fld id="{D89EFC18-F979-46EC-8752-2E802528FE34}" type="datetime1">
               <a:rPr lang="en-US" smtClean="0"/>
-              <a:t>4/25/2015</a:t>
+              <a:t>4/29/2015</a:t>
             </a:fld>
             <a:endParaRPr lang="en-US"/>
           </a:p>
@@ -2004,7 +2005,7 @@
           <a:p>
             <a:fld id="{2E1813C6-ED78-417B-BD1A-F1C350A0A10F}" type="datetime1">
               <a:rPr lang="en-US" smtClean="0"/>
-              <a:t>4/25/2015</a:t>
+              <a:t>4/29/2015</a:t>
             </a:fld>
             <a:endParaRPr lang="en-US"/>
           </a:p>
@@ -2126,7 +2127,7 @@
           <a:p>
             <a:fld id="{9E2527A1-714A-4D80-AF3C-869DFF29706F}" type="datetime1">
               <a:rPr lang="en-US" smtClean="0"/>
-              <a:t>4/25/2015</a:t>
+              <a:t>4/29/2015</a:t>
             </a:fld>
             <a:endParaRPr lang="en-US"/>
           </a:p>
@@ -2225,7 +2226,7 @@
           <a:p>
             <a:fld id="{AB2B09CD-44B5-4DBE-989E-455113ED8C29}" type="datetime1">
               <a:rPr lang="en-US" smtClean="0"/>
-              <a:t>4/25/2015</a:t>
+              <a:t>4/29/2015</a:t>
             </a:fld>
             <a:endParaRPr lang="en-US"/>
           </a:p>
@@ -2506,7 +2507,7 @@
           <a:p>
             <a:fld id="{C683E7EE-FA8C-4091-87B8-8C737625C13A}" type="datetime1">
               <a:rPr lang="en-US" smtClean="0"/>
-              <a:t>4/25/2015</a:t>
+              <a:t>4/29/2015</a:t>
             </a:fld>
             <a:endParaRPr lang="en-US"/>
           </a:p>
@@ -2763,7 +2764,7 @@
           <a:p>
             <a:fld id="{8B7FB8DB-1324-4610-A1CA-C10BCB396B25}" type="datetime1">
               <a:rPr lang="en-US" smtClean="0"/>
-              <a:t>4/25/2015</a:t>
+              <a:t>4/29/2015</a:t>
             </a:fld>
             <a:endParaRPr lang="en-US"/>
           </a:p>
@@ -2980,7 +2981,7 @@
           <a:p>
             <a:fld id="{90D4F897-8E8B-4218-BBE0-7FC8BCDE7FB6}" type="datetime1">
               <a:rPr lang="en-US" smtClean="0"/>
-              <a:t>4/25/2015</a:t>
+              <a:t>4/29/2015</a:t>
             </a:fld>
             <a:endParaRPr lang="en-US"/>
           </a:p>
@@ -3494,6 +3495,644 @@
 </p:sld>
 </file>
 
+<file path=ppt/slides/slide10.xml><?xml version="1.0" encoding="utf-8"?>
+<p:sld xmlns:a="http://schemas.openxmlformats.org/drawingml/2006/main" xmlns:r="http://schemas.openxmlformats.org/officeDocument/2006/relationships" xmlns:p="http://schemas.openxmlformats.org/presentationml/2006/main">
+  <p:cSld>
+    <p:spTree>
+      <p:nvGrpSpPr>
+        <p:cNvPr id="1" name=""/>
+        <p:cNvGrpSpPr/>
+        <p:nvPr/>
+      </p:nvGrpSpPr>
+      <p:grpSpPr>
+        <a:xfrm>
+          <a:off x="0" y="0"/>
+          <a:ext cx="0" cy="0"/>
+          <a:chOff x="0" y="0"/>
+          <a:chExt cx="0" cy="0"/>
+        </a:xfrm>
+      </p:grpSpPr>
+      <p:sp>
+        <p:nvSpPr>
+          <p:cNvPr id="36" name="Content Placeholder 5"/>
+          <p:cNvSpPr txBox="1">
+            <a:spLocks/>
+          </p:cNvSpPr>
+          <p:nvPr/>
+        </p:nvSpPr>
+        <p:spPr>
+          <a:xfrm>
+            <a:off x="182879" y="809896"/>
+            <a:ext cx="11861075" cy="5809314"/>
+          </a:xfrm>
+          <a:prstGeom prst="rect">
+            <a:avLst/>
+          </a:prstGeom>
+        </p:spPr>
+        <p:txBody>
+          <a:bodyPr>
+            <a:noAutofit/>
+          </a:bodyPr>
+          <a:lstStyle>
+            <a:lvl1pPr marL="228600" indent="-228600" algn="l" defTabSz="914400" rtl="0" eaLnBrk="1" latinLnBrk="0" hangingPunct="1">
+              <a:lnSpc>
+                <a:spcPct val="90000"/>
+              </a:lnSpc>
+              <a:spcBef>
+                <a:spcPts val="1000"/>
+              </a:spcBef>
+              <a:buFont typeface="Arial" panose="020B0604020202020204" pitchFamily="34" charset="0"/>
+              <a:buChar char="•"/>
+              <a:defRPr sz="2800" kern="1200">
+                <a:solidFill>
+                  <a:schemeClr val="tx1"/>
+                </a:solidFill>
+                <a:latin typeface="+mn-lt"/>
+                <a:ea typeface="+mn-ea"/>
+                <a:cs typeface="+mn-cs"/>
+              </a:defRPr>
+            </a:lvl1pPr>
+            <a:lvl2pPr marL="685800" indent="-228600" algn="l" defTabSz="914400" rtl="0" eaLnBrk="1" latinLnBrk="0" hangingPunct="1">
+              <a:lnSpc>
+                <a:spcPct val="90000"/>
+              </a:lnSpc>
+              <a:spcBef>
+                <a:spcPts val="500"/>
+              </a:spcBef>
+              <a:buFont typeface="Arial" panose="020B0604020202020204" pitchFamily="34" charset="0"/>
+              <a:buChar char="•"/>
+              <a:defRPr sz="2400" kern="1200">
+                <a:solidFill>
+                  <a:schemeClr val="tx1"/>
+                </a:solidFill>
+                <a:latin typeface="+mn-lt"/>
+                <a:ea typeface="+mn-ea"/>
+                <a:cs typeface="+mn-cs"/>
+              </a:defRPr>
+            </a:lvl2pPr>
+            <a:lvl3pPr marL="1143000" indent="-228600" algn="l" defTabSz="914400" rtl="0" eaLnBrk="1" latinLnBrk="0" hangingPunct="1">
+              <a:lnSpc>
+                <a:spcPct val="90000"/>
+              </a:lnSpc>
+              <a:spcBef>
+                <a:spcPts val="500"/>
+              </a:spcBef>
+              <a:buFont typeface="Arial" panose="020B0604020202020204" pitchFamily="34" charset="0"/>
+              <a:buChar char="•"/>
+              <a:defRPr sz="2000" kern="1200">
+                <a:solidFill>
+                  <a:schemeClr val="tx1"/>
+                </a:solidFill>
+                <a:latin typeface="+mn-lt"/>
+                <a:ea typeface="+mn-ea"/>
+                <a:cs typeface="+mn-cs"/>
+              </a:defRPr>
+            </a:lvl3pPr>
+            <a:lvl4pPr marL="1600200" indent="-228600" algn="l" defTabSz="914400" rtl="0" eaLnBrk="1" latinLnBrk="0" hangingPunct="1">
+              <a:lnSpc>
+                <a:spcPct val="90000"/>
+              </a:lnSpc>
+              <a:spcBef>
+                <a:spcPts val="500"/>
+              </a:spcBef>
+              <a:buFont typeface="Arial" panose="020B0604020202020204" pitchFamily="34" charset="0"/>
+              <a:buChar char="•"/>
+              <a:defRPr sz="1800" kern="1200">
+                <a:solidFill>
+                  <a:schemeClr val="tx1"/>
+                </a:solidFill>
+                <a:latin typeface="+mn-lt"/>
+                <a:ea typeface="+mn-ea"/>
+                <a:cs typeface="+mn-cs"/>
+              </a:defRPr>
+            </a:lvl4pPr>
+            <a:lvl5pPr marL="2057400" indent="-228600" algn="l" defTabSz="914400" rtl="0" eaLnBrk="1" latinLnBrk="0" hangingPunct="1">
+              <a:lnSpc>
+                <a:spcPct val="90000"/>
+              </a:lnSpc>
+              <a:spcBef>
+                <a:spcPts val="500"/>
+              </a:spcBef>
+              <a:buFont typeface="Arial" panose="020B0604020202020204" pitchFamily="34" charset="0"/>
+              <a:buChar char="•"/>
+              <a:defRPr sz="1800" kern="1200">
+                <a:solidFill>
+                  <a:schemeClr val="tx1"/>
+                </a:solidFill>
+                <a:latin typeface="+mn-lt"/>
+                <a:ea typeface="+mn-ea"/>
+                <a:cs typeface="+mn-cs"/>
+              </a:defRPr>
+            </a:lvl5pPr>
+            <a:lvl6pPr marL="2514600" indent="-228600" algn="l" defTabSz="914400" rtl="0" eaLnBrk="1" latinLnBrk="0" hangingPunct="1">
+              <a:lnSpc>
+                <a:spcPct val="90000"/>
+              </a:lnSpc>
+              <a:spcBef>
+                <a:spcPts val="500"/>
+              </a:spcBef>
+              <a:buFont typeface="Arial" panose="020B0604020202020204" pitchFamily="34" charset="0"/>
+              <a:buChar char="•"/>
+              <a:defRPr sz="1800" kern="1200">
+                <a:solidFill>
+                  <a:schemeClr val="tx1"/>
+                </a:solidFill>
+                <a:latin typeface="+mn-lt"/>
+                <a:ea typeface="+mn-ea"/>
+                <a:cs typeface="+mn-cs"/>
+              </a:defRPr>
+            </a:lvl6pPr>
+            <a:lvl7pPr marL="2971800" indent="-228600" algn="l" defTabSz="914400" rtl="0" eaLnBrk="1" latinLnBrk="0" hangingPunct="1">
+              <a:lnSpc>
+                <a:spcPct val="90000"/>
+              </a:lnSpc>
+              <a:spcBef>
+                <a:spcPts val="500"/>
+              </a:spcBef>
+              <a:buFont typeface="Arial" panose="020B0604020202020204" pitchFamily="34" charset="0"/>
+              <a:buChar char="•"/>
+              <a:defRPr sz="1800" kern="1200">
+                <a:solidFill>
+                  <a:schemeClr val="tx1"/>
+                </a:solidFill>
+                <a:latin typeface="+mn-lt"/>
+                <a:ea typeface="+mn-ea"/>
+                <a:cs typeface="+mn-cs"/>
+              </a:defRPr>
+            </a:lvl7pPr>
+            <a:lvl8pPr marL="3429000" indent="-228600" algn="l" defTabSz="914400" rtl="0" eaLnBrk="1" latinLnBrk="0" hangingPunct="1">
+              <a:lnSpc>
+                <a:spcPct val="90000"/>
+              </a:lnSpc>
+              <a:spcBef>
+                <a:spcPts val="500"/>
+              </a:spcBef>
+              <a:buFont typeface="Arial" panose="020B0604020202020204" pitchFamily="34" charset="0"/>
+              <a:buChar char="•"/>
+              <a:defRPr sz="1800" kern="1200">
+                <a:solidFill>
+                  <a:schemeClr val="tx1"/>
+                </a:solidFill>
+                <a:latin typeface="+mn-lt"/>
+                <a:ea typeface="+mn-ea"/>
+                <a:cs typeface="+mn-cs"/>
+              </a:defRPr>
+            </a:lvl8pPr>
+            <a:lvl9pPr marL="3886200" indent="-228600" algn="l" defTabSz="914400" rtl="0" eaLnBrk="1" latinLnBrk="0" hangingPunct="1">
+              <a:lnSpc>
+                <a:spcPct val="90000"/>
+              </a:lnSpc>
+              <a:spcBef>
+                <a:spcPts val="500"/>
+              </a:spcBef>
+              <a:buFont typeface="Arial" panose="020B0604020202020204" pitchFamily="34" charset="0"/>
+              <a:buChar char="•"/>
+              <a:defRPr sz="1800" kern="1200">
+                <a:solidFill>
+                  <a:schemeClr val="tx1"/>
+                </a:solidFill>
+                <a:latin typeface="+mn-lt"/>
+                <a:ea typeface="+mn-ea"/>
+                <a:cs typeface="+mn-cs"/>
+              </a:defRPr>
+            </a:lvl9pPr>
+          </a:lstStyle>
+          <a:p>
+            <a:pPr>
+              <a:buFont typeface="Calibri" panose="020F0502020204030204" pitchFamily="34" charset="0"/>
+              <a:buChar char="—"/>
+            </a:pPr>
+            <a:r>
+              <a:rPr lang="en-US" dirty="0" smtClean="0"/>
+              <a:t>Security Expert</a:t>
+            </a:r>
+          </a:p>
+          <a:p>
+            <a:pPr marL="457200" lvl="1" indent="0">
+              <a:buNone/>
+            </a:pPr>
+            <a:r>
+              <a:rPr lang="en-US" sz="2800" i="1" dirty="0" smtClean="0"/>
+              <a:t>2010-Present</a:t>
+            </a:r>
+            <a:r>
+              <a:rPr lang="en-US" sz="2800" dirty="0" smtClean="0"/>
+              <a:t> Security assessment to over 100 projects on</a:t>
+            </a:r>
+          </a:p>
+          <a:p>
+            <a:pPr lvl="2">
+              <a:buFont typeface="Wingdings" panose="05000000000000000000" pitchFamily="2" charset="2"/>
+              <a:buChar char="§"/>
+            </a:pPr>
+            <a:r>
+              <a:rPr lang="en-US" sz="2800" dirty="0" smtClean="0"/>
+              <a:t>Enterprise Security</a:t>
+            </a:r>
+          </a:p>
+          <a:p>
+            <a:pPr lvl="2">
+              <a:buFont typeface="Wingdings" panose="05000000000000000000" pitchFamily="2" charset="2"/>
+              <a:buChar char="§"/>
+            </a:pPr>
+            <a:r>
+              <a:rPr lang="en-US" sz="2800" dirty="0" smtClean="0"/>
+              <a:t>Mobile Security</a:t>
+            </a:r>
+          </a:p>
+          <a:p>
+            <a:pPr lvl="2">
+              <a:buFont typeface="Wingdings" panose="05000000000000000000" pitchFamily="2" charset="2"/>
+              <a:buChar char="§"/>
+            </a:pPr>
+            <a:r>
+              <a:rPr lang="en-US" sz="2800" dirty="0" smtClean="0"/>
+              <a:t>Networking security</a:t>
+            </a:r>
+          </a:p>
+          <a:p>
+            <a:pPr lvl="2">
+              <a:buFont typeface="Wingdings" panose="05000000000000000000" pitchFamily="2" charset="2"/>
+              <a:buChar char="§"/>
+            </a:pPr>
+            <a:r>
+              <a:rPr lang="en-US" sz="2800" dirty="0" smtClean="0"/>
+              <a:t>Firmware security</a:t>
+            </a:r>
+            <a:endParaRPr lang="en-US" sz="2800" dirty="0"/>
+          </a:p>
+          <a:p>
+            <a:pPr>
+              <a:buFont typeface="Calibri" panose="020F0502020204030204" pitchFamily="34" charset="0"/>
+              <a:buChar char="—"/>
+            </a:pPr>
+            <a:r>
+              <a:rPr lang="en-US" dirty="0" smtClean="0"/>
+              <a:t>Research on Log Analysis</a:t>
+            </a:r>
+          </a:p>
+          <a:p>
+            <a:pPr marL="457200" lvl="1" indent="0">
+              <a:buNone/>
+            </a:pPr>
+            <a:r>
+              <a:rPr lang="en-US" sz="2800" i="1" dirty="0" smtClean="0"/>
+              <a:t>2006-2010 	</a:t>
+            </a:r>
+            <a:r>
+              <a:rPr lang="en-US" sz="2800" dirty="0" smtClean="0"/>
+              <a:t>Research at Georgia Institute of Technology</a:t>
+            </a:r>
+          </a:p>
+          <a:p>
+            <a:pPr lvl="2">
+              <a:buFont typeface="Wingdings" panose="05000000000000000000" pitchFamily="2" charset="2"/>
+              <a:buChar char="§"/>
+            </a:pPr>
+            <a:r>
+              <a:rPr lang="en-US" sz="2800" dirty="0" smtClean="0"/>
+              <a:t>Publications in top tier international conferences</a:t>
+            </a:r>
+          </a:p>
+          <a:p>
+            <a:pPr>
+              <a:buFont typeface="Calibri" panose="020F0502020204030204" pitchFamily="34" charset="0"/>
+              <a:buChar char="—"/>
+            </a:pPr>
+            <a:r>
+              <a:rPr lang="en-US" dirty="0" smtClean="0"/>
+              <a:t>Consulting for Security Log analysis</a:t>
+            </a:r>
+          </a:p>
+          <a:p>
+            <a:pPr marL="457200" lvl="1" indent="0">
+              <a:buNone/>
+            </a:pPr>
+            <a:r>
+              <a:rPr lang="en-US" sz="2800" i="1" dirty="0" smtClean="0"/>
+              <a:t>2014-Present</a:t>
+            </a:r>
+            <a:r>
+              <a:rPr lang="en-US" sz="2800" dirty="0" smtClean="0"/>
+              <a:t> A large retail company with over 30 billion revenues	</a:t>
+            </a:r>
+          </a:p>
+          <a:p>
+            <a:pPr lvl="2">
+              <a:buFont typeface="Wingdings" panose="05000000000000000000" pitchFamily="2" charset="2"/>
+              <a:buChar char="§"/>
+            </a:pPr>
+            <a:r>
+              <a:rPr lang="en-US" sz="2800" dirty="0"/>
+              <a:t>Detected numerous critical security issues using SHARP </a:t>
+            </a:r>
+            <a:r>
+              <a:rPr lang="en-US" sz="2800" dirty="0" smtClean="0"/>
+              <a:t>framework</a:t>
+            </a:r>
+            <a:endParaRPr lang="en-US" sz="2800" dirty="0"/>
+          </a:p>
+          <a:p>
+            <a:pPr marL="457200" lvl="1" indent="0">
+              <a:buNone/>
+            </a:pPr>
+            <a:endParaRPr lang="en-US" sz="2800" dirty="0"/>
+          </a:p>
+          <a:p>
+            <a:pPr marL="914400" lvl="2" indent="0">
+              <a:buNone/>
+            </a:pPr>
+            <a:endParaRPr lang="en-US" sz="2800" dirty="0"/>
+          </a:p>
+          <a:p>
+            <a:pPr lvl="1">
+              <a:buFont typeface="Wingdings" panose="05000000000000000000" pitchFamily="2" charset="2"/>
+              <a:buChar char="§"/>
+            </a:pPr>
+            <a:endParaRPr lang="en-US" sz="2800" dirty="0"/>
+          </a:p>
+          <a:p>
+            <a:pPr>
+              <a:buFont typeface="Wingdings" panose="05000000000000000000" pitchFamily="2" charset="2"/>
+              <a:buChar char="§"/>
+            </a:pPr>
+            <a:endParaRPr lang="en-US" dirty="0" smtClean="0"/>
+          </a:p>
+        </p:txBody>
+      </p:sp>
+      <p:sp>
+        <p:nvSpPr>
+          <p:cNvPr id="156" name="Content Placeholder 5"/>
+          <p:cNvSpPr txBox="1">
+            <a:spLocks/>
+          </p:cNvSpPr>
+          <p:nvPr/>
+        </p:nvSpPr>
+        <p:spPr>
+          <a:xfrm>
+            <a:off x="77372" y="49236"/>
+            <a:ext cx="12070080" cy="6765006"/>
+          </a:xfrm>
+          <a:prstGeom prst="rect">
+            <a:avLst/>
+          </a:prstGeom>
+          <a:ln>
+            <a:solidFill>
+              <a:srgbClr val="D7E4BD"/>
+            </a:solidFill>
+          </a:ln>
+        </p:spPr>
+        <p:txBody>
+          <a:bodyPr>
+            <a:normAutofit/>
+          </a:bodyPr>
+          <a:lstStyle>
+            <a:lvl1pPr marL="228600" indent="-228600" algn="l" defTabSz="914400" rtl="0" eaLnBrk="1" latinLnBrk="0" hangingPunct="1">
+              <a:lnSpc>
+                <a:spcPct val="90000"/>
+              </a:lnSpc>
+              <a:spcBef>
+                <a:spcPts val="1000"/>
+              </a:spcBef>
+              <a:buFont typeface="Arial" panose="020B0604020202020204" pitchFamily="34" charset="0"/>
+              <a:buChar char="•"/>
+              <a:defRPr sz="2800" kern="1200">
+                <a:solidFill>
+                  <a:schemeClr val="tx1"/>
+                </a:solidFill>
+                <a:latin typeface="+mn-lt"/>
+                <a:ea typeface="+mn-ea"/>
+                <a:cs typeface="+mn-cs"/>
+              </a:defRPr>
+            </a:lvl1pPr>
+            <a:lvl2pPr marL="685800" indent="-228600" algn="l" defTabSz="914400" rtl="0" eaLnBrk="1" latinLnBrk="0" hangingPunct="1">
+              <a:lnSpc>
+                <a:spcPct val="90000"/>
+              </a:lnSpc>
+              <a:spcBef>
+                <a:spcPts val="500"/>
+              </a:spcBef>
+              <a:buFont typeface="Arial" panose="020B0604020202020204" pitchFamily="34" charset="0"/>
+              <a:buChar char="•"/>
+              <a:defRPr sz="2400" kern="1200">
+                <a:solidFill>
+                  <a:schemeClr val="tx1"/>
+                </a:solidFill>
+                <a:latin typeface="+mn-lt"/>
+                <a:ea typeface="+mn-ea"/>
+                <a:cs typeface="+mn-cs"/>
+              </a:defRPr>
+            </a:lvl2pPr>
+            <a:lvl3pPr marL="1143000" indent="-228600" algn="l" defTabSz="914400" rtl="0" eaLnBrk="1" latinLnBrk="0" hangingPunct="1">
+              <a:lnSpc>
+                <a:spcPct val="90000"/>
+              </a:lnSpc>
+              <a:spcBef>
+                <a:spcPts val="500"/>
+              </a:spcBef>
+              <a:buFont typeface="Arial" panose="020B0604020202020204" pitchFamily="34" charset="0"/>
+              <a:buChar char="•"/>
+              <a:defRPr sz="2000" kern="1200">
+                <a:solidFill>
+                  <a:schemeClr val="tx1"/>
+                </a:solidFill>
+                <a:latin typeface="+mn-lt"/>
+                <a:ea typeface="+mn-ea"/>
+                <a:cs typeface="+mn-cs"/>
+              </a:defRPr>
+            </a:lvl3pPr>
+            <a:lvl4pPr marL="1600200" indent="-228600" algn="l" defTabSz="914400" rtl="0" eaLnBrk="1" latinLnBrk="0" hangingPunct="1">
+              <a:lnSpc>
+                <a:spcPct val="90000"/>
+              </a:lnSpc>
+              <a:spcBef>
+                <a:spcPts val="500"/>
+              </a:spcBef>
+              <a:buFont typeface="Arial" panose="020B0604020202020204" pitchFamily="34" charset="0"/>
+              <a:buChar char="•"/>
+              <a:defRPr sz="1800" kern="1200">
+                <a:solidFill>
+                  <a:schemeClr val="tx1"/>
+                </a:solidFill>
+                <a:latin typeface="+mn-lt"/>
+                <a:ea typeface="+mn-ea"/>
+                <a:cs typeface="+mn-cs"/>
+              </a:defRPr>
+            </a:lvl4pPr>
+            <a:lvl5pPr marL="2057400" indent="-228600" algn="l" defTabSz="914400" rtl="0" eaLnBrk="1" latinLnBrk="0" hangingPunct="1">
+              <a:lnSpc>
+                <a:spcPct val="90000"/>
+              </a:lnSpc>
+              <a:spcBef>
+                <a:spcPts val="500"/>
+              </a:spcBef>
+              <a:buFont typeface="Arial" panose="020B0604020202020204" pitchFamily="34" charset="0"/>
+              <a:buChar char="•"/>
+              <a:defRPr sz="1800" kern="1200">
+                <a:solidFill>
+                  <a:schemeClr val="tx1"/>
+                </a:solidFill>
+                <a:latin typeface="+mn-lt"/>
+                <a:ea typeface="+mn-ea"/>
+                <a:cs typeface="+mn-cs"/>
+              </a:defRPr>
+            </a:lvl5pPr>
+            <a:lvl6pPr marL="2514600" indent="-228600" algn="l" defTabSz="914400" rtl="0" eaLnBrk="1" latinLnBrk="0" hangingPunct="1">
+              <a:lnSpc>
+                <a:spcPct val="90000"/>
+              </a:lnSpc>
+              <a:spcBef>
+                <a:spcPts val="500"/>
+              </a:spcBef>
+              <a:buFont typeface="Arial" panose="020B0604020202020204" pitchFamily="34" charset="0"/>
+              <a:buChar char="•"/>
+              <a:defRPr sz="1800" kern="1200">
+                <a:solidFill>
+                  <a:schemeClr val="tx1"/>
+                </a:solidFill>
+                <a:latin typeface="+mn-lt"/>
+                <a:ea typeface="+mn-ea"/>
+                <a:cs typeface="+mn-cs"/>
+              </a:defRPr>
+            </a:lvl6pPr>
+            <a:lvl7pPr marL="2971800" indent="-228600" algn="l" defTabSz="914400" rtl="0" eaLnBrk="1" latinLnBrk="0" hangingPunct="1">
+              <a:lnSpc>
+                <a:spcPct val="90000"/>
+              </a:lnSpc>
+              <a:spcBef>
+                <a:spcPts val="500"/>
+              </a:spcBef>
+              <a:buFont typeface="Arial" panose="020B0604020202020204" pitchFamily="34" charset="0"/>
+              <a:buChar char="•"/>
+              <a:defRPr sz="1800" kern="1200">
+                <a:solidFill>
+                  <a:schemeClr val="tx1"/>
+                </a:solidFill>
+                <a:latin typeface="+mn-lt"/>
+                <a:ea typeface="+mn-ea"/>
+                <a:cs typeface="+mn-cs"/>
+              </a:defRPr>
+            </a:lvl7pPr>
+            <a:lvl8pPr marL="3429000" indent="-228600" algn="l" defTabSz="914400" rtl="0" eaLnBrk="1" latinLnBrk="0" hangingPunct="1">
+              <a:lnSpc>
+                <a:spcPct val="90000"/>
+              </a:lnSpc>
+              <a:spcBef>
+                <a:spcPts val="500"/>
+              </a:spcBef>
+              <a:buFont typeface="Arial" panose="020B0604020202020204" pitchFamily="34" charset="0"/>
+              <a:buChar char="•"/>
+              <a:defRPr sz="1800" kern="1200">
+                <a:solidFill>
+                  <a:schemeClr val="tx1"/>
+                </a:solidFill>
+                <a:latin typeface="+mn-lt"/>
+                <a:ea typeface="+mn-ea"/>
+                <a:cs typeface="+mn-cs"/>
+              </a:defRPr>
+            </a:lvl8pPr>
+            <a:lvl9pPr marL="3886200" indent="-228600" algn="l" defTabSz="914400" rtl="0" eaLnBrk="1" latinLnBrk="0" hangingPunct="1">
+              <a:lnSpc>
+                <a:spcPct val="90000"/>
+              </a:lnSpc>
+              <a:spcBef>
+                <a:spcPts val="500"/>
+              </a:spcBef>
+              <a:buFont typeface="Arial" panose="020B0604020202020204" pitchFamily="34" charset="0"/>
+              <a:buChar char="•"/>
+              <a:defRPr sz="1800" kern="1200">
+                <a:solidFill>
+                  <a:schemeClr val="tx1"/>
+                </a:solidFill>
+                <a:latin typeface="+mn-lt"/>
+                <a:ea typeface="+mn-ea"/>
+                <a:cs typeface="+mn-cs"/>
+              </a:defRPr>
+            </a:lvl9pPr>
+          </a:lstStyle>
+          <a:p>
+            <a:pPr marL="0" indent="0" algn="ctr">
+              <a:buNone/>
+            </a:pPr>
+            <a:endParaRPr lang="en-US" dirty="0"/>
+          </a:p>
+        </p:txBody>
+      </p:sp>
+      <p:sp>
+        <p:nvSpPr>
+          <p:cNvPr id="40" name="Title 4"/>
+          <p:cNvSpPr>
+            <a:spLocks noGrp="1"/>
+          </p:cNvSpPr>
+          <p:nvPr>
+            <p:ph type="title"/>
+          </p:nvPr>
+        </p:nvSpPr>
+        <p:spPr>
+          <a:xfrm>
+            <a:off x="0" y="182880"/>
+            <a:ext cx="12147452" cy="640080"/>
+          </a:xfrm>
+        </p:spPr>
+        <p:txBody>
+          <a:bodyPr>
+            <a:normAutofit/>
+          </a:bodyPr>
+          <a:lstStyle/>
+          <a:p>
+            <a:pPr algn="ctr"/>
+            <a:r>
+              <a:rPr lang="en-US" sz="3600" b="1" dirty="0">
+                <a:latin typeface="+mn-lt"/>
+              </a:rPr>
+              <a:t>About Me: Founder of SPEC</a:t>
+            </a:r>
+          </a:p>
+        </p:txBody>
+      </p:sp>
+      <p:sp>
+        <p:nvSpPr>
+          <p:cNvPr id="2" name="Footer Placeholder 1"/>
+          <p:cNvSpPr>
+            <a:spLocks noGrp="1"/>
+          </p:cNvSpPr>
+          <p:nvPr>
+            <p:ph type="ftr" sz="quarter" idx="11"/>
+          </p:nvPr>
+        </p:nvSpPr>
+        <p:spPr/>
+        <p:txBody>
+          <a:bodyPr/>
+          <a:lstStyle/>
+          <a:p>
+            <a:r>
+              <a:rPr lang="en-US" dirty="0" smtClean="0"/>
+              <a:t>Confidential. Do not duplicate or distribute without permission from Spec Consulting Inc. www.scybersecurity.com </a:t>
+            </a:r>
+            <a:endParaRPr lang="en-US" dirty="0"/>
+          </a:p>
+        </p:txBody>
+      </p:sp>
+    </p:spTree>
+    <p:extLst>
+      <p:ext uri="{BB962C8B-B14F-4D97-AF65-F5344CB8AC3E}">
+        <p14:creationId xmlns:p14="http://schemas.microsoft.com/office/powerpoint/2010/main" val="2105492116"/>
+      </p:ext>
+    </p:extLst>
+  </p:cSld>
+  <p:clrMapOvr>
+    <a:masterClrMapping/>
+  </p:clrMapOvr>
+  <p:timing>
+    <p:tnLst>
+      <p:par>
+        <p:cTn id="1" dur="indefinite" restart="never" nodeType="tmRoot"/>
+      </p:par>
+    </p:tnLst>
+  </p:timing>
+</p:sld>
+</file>
+
 <file path=ppt/slides/slide2.xml><?xml version="1.0" encoding="utf-8"?>
 <p:sld xmlns:a="http://schemas.openxmlformats.org/drawingml/2006/main" xmlns:r="http://schemas.openxmlformats.org/officeDocument/2006/relationships" xmlns:p="http://schemas.openxmlformats.org/presentationml/2006/main">
   <p:cSld>
@@ -6821,13 +7460,8 @@
             </a:pPr>
             <a:r>
               <a:rPr lang="en-US" dirty="0" smtClean="0"/>
-              <a:t>Detect anti-pattern </a:t>
-            </a:r>
-            <a:r>
-              <a:rPr lang="en-US" dirty="0" smtClean="0"/>
-              <a:t>requests</a:t>
-            </a:r>
-            <a:endParaRPr lang="en-US" dirty="0" smtClean="0"/>
+              <a:t>Detect anti-pattern requests</a:t>
+            </a:r>
           </a:p>
         </p:txBody>
       </p:sp>
@@ -9253,275 +9887,13 @@
       </p:sp>
       <p:grpSp>
         <p:nvGrpSpPr>
-          <p:cNvPr id="9" name="Group 8"/>
-          <p:cNvGrpSpPr/>
-          <p:nvPr/>
-        </p:nvGrpSpPr>
-        <p:grpSpPr>
-          <a:xfrm>
-            <a:off x="6944415" y="799072"/>
-            <a:ext cx="4924696" cy="5536182"/>
-            <a:chOff x="6944415" y="903576"/>
-            <a:chExt cx="4924696" cy="5536182"/>
-          </a:xfrm>
-        </p:grpSpPr>
-        <p:sp>
-          <p:nvSpPr>
-            <p:cNvPr id="4" name="TextBox 3"/>
-            <p:cNvSpPr txBox="1"/>
-            <p:nvPr/>
-          </p:nvSpPr>
-          <p:spPr>
-            <a:xfrm>
-              <a:off x="6944415" y="903576"/>
-              <a:ext cx="4924696" cy="3170099"/>
-            </a:xfrm>
-            <a:prstGeom prst="rect">
-              <a:avLst/>
-            </a:prstGeom>
-            <a:solidFill>
-              <a:schemeClr val="bg1">
-                <a:lumMod val="95000"/>
-              </a:schemeClr>
-            </a:solidFill>
-          </p:spPr>
-          <p:txBody>
-            <a:bodyPr wrap="square" rtlCol="0">
-              <a:spAutoFit/>
-            </a:bodyPr>
-            <a:lstStyle/>
-            <a:p>
-              <a:pPr algn="ctr"/>
-              <a:r>
-                <a:rPr lang="en-US" dirty="0"/>
-                <a:t>Model </a:t>
-              </a:r>
-              <a:r>
-                <a:rPr lang="en-US" dirty="0" smtClean="0"/>
-                <a:t>Config</a:t>
-              </a:r>
-              <a:endParaRPr lang="en-US" dirty="0"/>
-            </a:p>
-            <a:p>
-              <a:r>
-                <a:rPr lang="en-US" sz="1400" dirty="0" smtClean="0"/>
-                <a:t>&lt;</a:t>
-              </a:r>
-              <a:r>
-                <a:rPr lang="en-US" sz="1400" dirty="0"/>
-                <a:t>conf&gt;</a:t>
-              </a:r>
-            </a:p>
-            <a:p>
-              <a:r>
-                <a:rPr lang="en-US" sz="1400" dirty="0"/>
-                <a:t>    &lt;model-name&gt;test-model&lt;/model-name&gt;</a:t>
-              </a:r>
-            </a:p>
-            <a:p>
-              <a:r>
-                <a:rPr lang="en-US" sz="1400" dirty="0"/>
-                <a:t>    &lt;model-description&gt;some description: testing web url alert model&lt;/model-description&gt;</a:t>
-              </a:r>
-            </a:p>
-            <a:p>
-              <a:r>
-                <a:rPr lang="en-US" sz="1400" dirty="0"/>
-                <a:t>    &lt;log-type&gt;web access log&lt;/log-type&gt;</a:t>
-              </a:r>
-            </a:p>
-            <a:p>
-              <a:r>
-                <a:rPr lang="en-US" sz="1400" dirty="0"/>
-                <a:t>    &lt;log-file&gt;weblog-entries.txt&lt;/log-file&gt;   </a:t>
-              </a:r>
-            </a:p>
-            <a:p>
-              <a:r>
-                <a:rPr lang="en-US" sz="1400" dirty="0" smtClean="0"/>
-                <a:t>    &lt;</a:t>
-              </a:r>
-              <a:r>
-                <a:rPr lang="en-US" sz="1400" dirty="0"/>
-                <a:t>log-formatter&gt;%- %- %- [%t] "%m %u %-&lt;/log-formatter&gt;</a:t>
-              </a:r>
-            </a:p>
-            <a:p>
-              <a:r>
-                <a:rPr lang="en-US" sz="1400" dirty="0" smtClean="0"/>
-                <a:t>    &lt;time-formatter</a:t>
-              </a:r>
-              <a:r>
-                <a:rPr lang="en-US" sz="1400" dirty="0"/>
-                <a:t>&gt;%d/%b/%Y:%H:%M:%S&lt;/</a:t>
-              </a:r>
-              <a:r>
-                <a:rPr lang="en-US" sz="1400" dirty="0" smtClean="0"/>
-                <a:t>time-formatter</a:t>
-              </a:r>
-              <a:r>
-                <a:rPr lang="en-US" sz="1400" dirty="0"/>
-                <a:t>&gt;</a:t>
-              </a:r>
-            </a:p>
-            <a:p>
-              <a:r>
-                <a:rPr lang="en-US" sz="1400" dirty="0"/>
-                <a:t>&lt;/conf</a:t>
-              </a:r>
-              <a:r>
-                <a:rPr lang="en-US" sz="1400" dirty="0" smtClean="0"/>
-                <a:t>&gt;</a:t>
-              </a:r>
-            </a:p>
-            <a:p>
-              <a:pPr marL="285750" indent="-285750">
-                <a:buFont typeface="Wingdings" panose="05000000000000000000" pitchFamily="2" charset="2"/>
-                <a:buChar char="§"/>
-              </a:pPr>
-              <a:r>
-                <a:rPr lang="en-US" sz="1400" dirty="0" smtClean="0"/>
-                <a:t>log-formatter</a:t>
-              </a:r>
-              <a:r>
-                <a:rPr lang="en-US" sz="1400" dirty="0"/>
-                <a:t/>
-              </a:r>
-              <a:br>
-                <a:rPr lang="en-US" sz="1400" dirty="0"/>
-              </a:br>
-              <a:r>
-                <a:rPr lang="en-US" sz="1400" dirty="0" smtClean="0"/>
-                <a:t>%t</a:t>
-              </a:r>
-              <a:r>
-                <a:rPr lang="en-US" sz="1400" dirty="0"/>
-                <a:t>: time %m method %u full url including path and </a:t>
-              </a:r>
-              <a:r>
-                <a:rPr lang="en-US" sz="1400" dirty="0" smtClean="0"/>
-                <a:t>query</a:t>
-              </a:r>
-            </a:p>
-            <a:p>
-              <a:pPr marL="285750" indent="-285750">
-                <a:buFont typeface="Wingdings" panose="05000000000000000000" pitchFamily="2" charset="2"/>
-                <a:buChar char="§"/>
-              </a:pPr>
-              <a:r>
-                <a:rPr lang="en-US" sz="1400" dirty="0" smtClean="0"/>
-                <a:t>time-formatter </a:t>
-              </a:r>
-              <a:br>
-                <a:rPr lang="en-US" sz="1400" dirty="0" smtClean="0"/>
-              </a:br>
-              <a:r>
-                <a:rPr lang="en-US" sz="1400" dirty="0" smtClean="0"/>
-                <a:t>Language (e.g., python) specification</a:t>
-              </a:r>
-              <a:endParaRPr lang="en-US" sz="1400" dirty="0"/>
-            </a:p>
-          </p:txBody>
-        </p:sp>
-        <p:sp>
-          <p:nvSpPr>
-            <p:cNvPr id="6" name="TextBox 5"/>
-            <p:cNvSpPr txBox="1"/>
-            <p:nvPr/>
-          </p:nvSpPr>
-          <p:spPr>
-            <a:xfrm>
-              <a:off x="6944415" y="4131434"/>
-              <a:ext cx="4924696" cy="2308324"/>
-            </a:xfrm>
-            <a:prstGeom prst="rect">
-              <a:avLst/>
-            </a:prstGeom>
-            <a:solidFill>
-              <a:schemeClr val="bg1">
-                <a:lumMod val="95000"/>
-              </a:schemeClr>
-            </a:solidFill>
-          </p:spPr>
-          <p:txBody>
-            <a:bodyPr wrap="square" rtlCol="0">
-              <a:spAutoFit/>
-            </a:bodyPr>
-            <a:lstStyle/>
-            <a:p>
-              <a:pPr algn="ctr"/>
-              <a:r>
-                <a:rPr lang="en-US" dirty="0" smtClean="0"/>
-                <a:t>Model Format</a:t>
-              </a:r>
-              <a:endParaRPr lang="en-US" dirty="0"/>
-            </a:p>
-            <a:p>
-              <a:r>
-                <a:rPr lang="en-US" sz="1400" dirty="0"/>
-                <a:t>&lt;model name=&gt;</a:t>
-              </a:r>
-            </a:p>
-            <a:p>
-              <a:r>
-                <a:rPr lang="en-US" sz="1400" dirty="0"/>
-                <a:t>    &lt;request&gt;</a:t>
-              </a:r>
-            </a:p>
-            <a:p>
-              <a:r>
-                <a:rPr lang="en-US" sz="1400" dirty="0"/>
-                <a:t>        &lt;method&gt;&lt;/method&gt;</a:t>
-              </a:r>
-            </a:p>
-            <a:p>
-              <a:r>
-                <a:rPr lang="en-US" sz="1400" dirty="0"/>
-                <a:t>        &lt;path&gt; &lt;/path&gt;</a:t>
-              </a:r>
-            </a:p>
-            <a:p>
-              <a:r>
-                <a:rPr lang="en-US" sz="1400" dirty="0"/>
-                <a:t>        &lt;params first-seen=    last-seen=   &gt;</a:t>
-              </a:r>
-            </a:p>
-            <a:p>
-              <a:r>
-                <a:rPr lang="en-US" sz="1400" dirty="0"/>
-                <a:t>	param-name-1, …, param-name-n</a:t>
-              </a:r>
-            </a:p>
-            <a:p>
-              <a:r>
-                <a:rPr lang="en-US" sz="1400" dirty="0"/>
-                <a:t>         &lt;/params&gt;</a:t>
-              </a:r>
-            </a:p>
-            <a:p>
-              <a:r>
-                <a:rPr lang="en-US" sz="1400" dirty="0"/>
-                <a:t>     &lt;/request&gt;</a:t>
-              </a:r>
-            </a:p>
-            <a:p>
-              <a:r>
-                <a:rPr lang="en-US" sz="1400" dirty="0"/>
-                <a:t>&lt;/model&gt;</a:t>
-              </a:r>
-            </a:p>
-          </p:txBody>
-        </p:sp>
-      </p:grpSp>
-      <p:grpSp>
-        <p:nvGrpSpPr>
           <p:cNvPr id="8" name="Group 7"/>
           <p:cNvGrpSpPr/>
           <p:nvPr/>
         </p:nvGrpSpPr>
         <p:grpSpPr>
           <a:xfrm>
-            <a:off x="440435" y="1681540"/>
+            <a:off x="2944689" y="1806597"/>
             <a:ext cx="6084763" cy="3776610"/>
             <a:chOff x="341959" y="1681540"/>
             <a:chExt cx="6084763" cy="3776610"/>
@@ -10494,8 +10866,8 @@
         </p:nvSpPr>
         <p:spPr>
           <a:xfrm>
-            <a:off x="0" y="182880"/>
-            <a:ext cx="12147452" cy="640080"/>
+            <a:off x="0" y="182879"/>
+            <a:ext cx="12147452" cy="1336331"/>
           </a:xfrm>
         </p:spPr>
         <p:txBody>
@@ -10509,14 +10881,28 @@
               <a:rPr lang="en-US" sz="3600" b="1" dirty="0" smtClean="0">
                 <a:latin typeface="+mn-lt"/>
               </a:rPr>
-              <a:t>An Implementation Example: </a:t>
-            </a:r>
-            <a:r>
-              <a:rPr lang="en-US" sz="3600" b="1" dirty="0">
+              <a:t>An </a:t>
+            </a:r>
+            <a:r>
+              <a:rPr lang="en-US" sz="3600" b="1" dirty="0" smtClean="0">
                 <a:latin typeface="+mn-lt"/>
               </a:rPr>
-              <a:t>URL Request Model</a:t>
-            </a:r>
+              <a:t>Example: URL Model </a:t>
+            </a:r>
+            <a:br>
+              <a:rPr lang="en-US" sz="3600" b="1" dirty="0" smtClean="0">
+                <a:latin typeface="+mn-lt"/>
+              </a:rPr>
+            </a:br>
+            <a:r>
+              <a:rPr lang="en-US" sz="3600" b="1" dirty="0" smtClean="0">
+                <a:latin typeface="+mn-lt"/>
+              </a:rPr>
+              <a:t>Architecture</a:t>
+            </a:r>
+            <a:endParaRPr lang="en-US" sz="3600" b="1" dirty="0">
+              <a:latin typeface="+mn-lt"/>
+            </a:endParaRPr>
           </a:p>
         </p:txBody>
       </p:sp>
@@ -10582,354 +10968,6 @@
       </p:grpSpPr>
       <p:sp>
         <p:nvSpPr>
-          <p:cNvPr id="36" name="Content Placeholder 5"/>
-          <p:cNvSpPr txBox="1">
-            <a:spLocks/>
-          </p:cNvSpPr>
-          <p:nvPr/>
-        </p:nvSpPr>
-        <p:spPr>
-          <a:xfrm>
-            <a:off x="182879" y="809896"/>
-            <a:ext cx="11861075" cy="5809314"/>
-          </a:xfrm>
-          <a:prstGeom prst="rect">
-            <a:avLst/>
-          </a:prstGeom>
-        </p:spPr>
-        <p:txBody>
-          <a:bodyPr>
-            <a:noAutofit/>
-          </a:bodyPr>
-          <a:lstStyle>
-            <a:lvl1pPr marL="228600" indent="-228600" algn="l" defTabSz="914400" rtl="0" eaLnBrk="1" latinLnBrk="0" hangingPunct="1">
-              <a:lnSpc>
-                <a:spcPct val="90000"/>
-              </a:lnSpc>
-              <a:spcBef>
-                <a:spcPts val="1000"/>
-              </a:spcBef>
-              <a:buFont typeface="Arial" panose="020B0604020202020204" pitchFamily="34" charset="0"/>
-              <a:buChar char="•"/>
-              <a:defRPr sz="2800" kern="1200">
-                <a:solidFill>
-                  <a:schemeClr val="tx1"/>
-                </a:solidFill>
-                <a:latin typeface="+mn-lt"/>
-                <a:ea typeface="+mn-ea"/>
-                <a:cs typeface="+mn-cs"/>
-              </a:defRPr>
-            </a:lvl1pPr>
-            <a:lvl2pPr marL="685800" indent="-228600" algn="l" defTabSz="914400" rtl="0" eaLnBrk="1" latinLnBrk="0" hangingPunct="1">
-              <a:lnSpc>
-                <a:spcPct val="90000"/>
-              </a:lnSpc>
-              <a:spcBef>
-                <a:spcPts val="500"/>
-              </a:spcBef>
-              <a:buFont typeface="Arial" panose="020B0604020202020204" pitchFamily="34" charset="0"/>
-              <a:buChar char="•"/>
-              <a:defRPr sz="2400" kern="1200">
-                <a:solidFill>
-                  <a:schemeClr val="tx1"/>
-                </a:solidFill>
-                <a:latin typeface="+mn-lt"/>
-                <a:ea typeface="+mn-ea"/>
-                <a:cs typeface="+mn-cs"/>
-              </a:defRPr>
-            </a:lvl2pPr>
-            <a:lvl3pPr marL="1143000" indent="-228600" algn="l" defTabSz="914400" rtl="0" eaLnBrk="1" latinLnBrk="0" hangingPunct="1">
-              <a:lnSpc>
-                <a:spcPct val="90000"/>
-              </a:lnSpc>
-              <a:spcBef>
-                <a:spcPts val="500"/>
-              </a:spcBef>
-              <a:buFont typeface="Arial" panose="020B0604020202020204" pitchFamily="34" charset="0"/>
-              <a:buChar char="•"/>
-              <a:defRPr sz="2000" kern="1200">
-                <a:solidFill>
-                  <a:schemeClr val="tx1"/>
-                </a:solidFill>
-                <a:latin typeface="+mn-lt"/>
-                <a:ea typeface="+mn-ea"/>
-                <a:cs typeface="+mn-cs"/>
-              </a:defRPr>
-            </a:lvl3pPr>
-            <a:lvl4pPr marL="1600200" indent="-228600" algn="l" defTabSz="914400" rtl="0" eaLnBrk="1" latinLnBrk="0" hangingPunct="1">
-              <a:lnSpc>
-                <a:spcPct val="90000"/>
-              </a:lnSpc>
-              <a:spcBef>
-                <a:spcPts val="500"/>
-              </a:spcBef>
-              <a:buFont typeface="Arial" panose="020B0604020202020204" pitchFamily="34" charset="0"/>
-              <a:buChar char="•"/>
-              <a:defRPr sz="1800" kern="1200">
-                <a:solidFill>
-                  <a:schemeClr val="tx1"/>
-                </a:solidFill>
-                <a:latin typeface="+mn-lt"/>
-                <a:ea typeface="+mn-ea"/>
-                <a:cs typeface="+mn-cs"/>
-              </a:defRPr>
-            </a:lvl4pPr>
-            <a:lvl5pPr marL="2057400" indent="-228600" algn="l" defTabSz="914400" rtl="0" eaLnBrk="1" latinLnBrk="0" hangingPunct="1">
-              <a:lnSpc>
-                <a:spcPct val="90000"/>
-              </a:lnSpc>
-              <a:spcBef>
-                <a:spcPts val="500"/>
-              </a:spcBef>
-              <a:buFont typeface="Arial" panose="020B0604020202020204" pitchFamily="34" charset="0"/>
-              <a:buChar char="•"/>
-              <a:defRPr sz="1800" kern="1200">
-                <a:solidFill>
-                  <a:schemeClr val="tx1"/>
-                </a:solidFill>
-                <a:latin typeface="+mn-lt"/>
-                <a:ea typeface="+mn-ea"/>
-                <a:cs typeface="+mn-cs"/>
-              </a:defRPr>
-            </a:lvl5pPr>
-            <a:lvl6pPr marL="2514600" indent="-228600" algn="l" defTabSz="914400" rtl="0" eaLnBrk="1" latinLnBrk="0" hangingPunct="1">
-              <a:lnSpc>
-                <a:spcPct val="90000"/>
-              </a:lnSpc>
-              <a:spcBef>
-                <a:spcPts val="500"/>
-              </a:spcBef>
-              <a:buFont typeface="Arial" panose="020B0604020202020204" pitchFamily="34" charset="0"/>
-              <a:buChar char="•"/>
-              <a:defRPr sz="1800" kern="1200">
-                <a:solidFill>
-                  <a:schemeClr val="tx1"/>
-                </a:solidFill>
-                <a:latin typeface="+mn-lt"/>
-                <a:ea typeface="+mn-ea"/>
-                <a:cs typeface="+mn-cs"/>
-              </a:defRPr>
-            </a:lvl6pPr>
-            <a:lvl7pPr marL="2971800" indent="-228600" algn="l" defTabSz="914400" rtl="0" eaLnBrk="1" latinLnBrk="0" hangingPunct="1">
-              <a:lnSpc>
-                <a:spcPct val="90000"/>
-              </a:lnSpc>
-              <a:spcBef>
-                <a:spcPts val="500"/>
-              </a:spcBef>
-              <a:buFont typeface="Arial" panose="020B0604020202020204" pitchFamily="34" charset="0"/>
-              <a:buChar char="•"/>
-              <a:defRPr sz="1800" kern="1200">
-                <a:solidFill>
-                  <a:schemeClr val="tx1"/>
-                </a:solidFill>
-                <a:latin typeface="+mn-lt"/>
-                <a:ea typeface="+mn-ea"/>
-                <a:cs typeface="+mn-cs"/>
-              </a:defRPr>
-            </a:lvl7pPr>
-            <a:lvl8pPr marL="3429000" indent="-228600" algn="l" defTabSz="914400" rtl="0" eaLnBrk="1" latinLnBrk="0" hangingPunct="1">
-              <a:lnSpc>
-                <a:spcPct val="90000"/>
-              </a:lnSpc>
-              <a:spcBef>
-                <a:spcPts val="500"/>
-              </a:spcBef>
-              <a:buFont typeface="Arial" panose="020B0604020202020204" pitchFamily="34" charset="0"/>
-              <a:buChar char="•"/>
-              <a:defRPr sz="1800" kern="1200">
-                <a:solidFill>
-                  <a:schemeClr val="tx1"/>
-                </a:solidFill>
-                <a:latin typeface="+mn-lt"/>
-                <a:ea typeface="+mn-ea"/>
-                <a:cs typeface="+mn-cs"/>
-              </a:defRPr>
-            </a:lvl8pPr>
-            <a:lvl9pPr marL="3886200" indent="-228600" algn="l" defTabSz="914400" rtl="0" eaLnBrk="1" latinLnBrk="0" hangingPunct="1">
-              <a:lnSpc>
-                <a:spcPct val="90000"/>
-              </a:lnSpc>
-              <a:spcBef>
-                <a:spcPts val="500"/>
-              </a:spcBef>
-              <a:buFont typeface="Arial" panose="020B0604020202020204" pitchFamily="34" charset="0"/>
-              <a:buChar char="•"/>
-              <a:defRPr sz="1800" kern="1200">
-                <a:solidFill>
-                  <a:schemeClr val="tx1"/>
-                </a:solidFill>
-                <a:latin typeface="+mn-lt"/>
-                <a:ea typeface="+mn-ea"/>
-                <a:cs typeface="+mn-cs"/>
-              </a:defRPr>
-            </a:lvl9pPr>
-          </a:lstStyle>
-          <a:p>
-            <a:pPr>
-              <a:buFont typeface="Calibri" panose="020F0502020204030204" pitchFamily="34" charset="0"/>
-              <a:buChar char="—"/>
-            </a:pPr>
-            <a:r>
-              <a:rPr lang="en-US" dirty="0" smtClean="0"/>
-              <a:t>Security Expert</a:t>
-            </a:r>
-          </a:p>
-          <a:p>
-            <a:pPr marL="457200" lvl="1" indent="0">
-              <a:buNone/>
-            </a:pPr>
-            <a:r>
-              <a:rPr lang="en-US" sz="2800" i="1" dirty="0" smtClean="0"/>
-              <a:t>2010-Present</a:t>
-            </a:r>
-            <a:r>
-              <a:rPr lang="en-US" sz="2800" dirty="0" smtClean="0"/>
-              <a:t> Security assessment to over 100 projects on</a:t>
-            </a:r>
-          </a:p>
-          <a:p>
-            <a:pPr lvl="2">
-              <a:buFont typeface="Wingdings" panose="05000000000000000000" pitchFamily="2" charset="2"/>
-              <a:buChar char="§"/>
-            </a:pPr>
-            <a:r>
-              <a:rPr lang="en-US" sz="2800" dirty="0" smtClean="0"/>
-              <a:t>Enterprise Security</a:t>
-            </a:r>
-          </a:p>
-          <a:p>
-            <a:pPr lvl="2">
-              <a:buFont typeface="Wingdings" panose="05000000000000000000" pitchFamily="2" charset="2"/>
-              <a:buChar char="§"/>
-            </a:pPr>
-            <a:r>
-              <a:rPr lang="en-US" sz="2800" dirty="0" smtClean="0"/>
-              <a:t>Mobile Security</a:t>
-            </a:r>
-          </a:p>
-          <a:p>
-            <a:pPr lvl="2">
-              <a:buFont typeface="Wingdings" panose="05000000000000000000" pitchFamily="2" charset="2"/>
-              <a:buChar char="§"/>
-            </a:pPr>
-            <a:r>
-              <a:rPr lang="en-US" sz="2800" dirty="0" smtClean="0"/>
-              <a:t>Networking security</a:t>
-            </a:r>
-          </a:p>
-          <a:p>
-            <a:pPr lvl="2">
-              <a:buFont typeface="Wingdings" panose="05000000000000000000" pitchFamily="2" charset="2"/>
-              <a:buChar char="§"/>
-            </a:pPr>
-            <a:r>
-              <a:rPr lang="en-US" sz="2800" dirty="0" smtClean="0"/>
-              <a:t>Firmware security</a:t>
-            </a:r>
-            <a:endParaRPr lang="en-US" sz="2800" dirty="0"/>
-          </a:p>
-          <a:p>
-            <a:pPr>
-              <a:buFont typeface="Calibri" panose="020F0502020204030204" pitchFamily="34" charset="0"/>
-              <a:buChar char="—"/>
-            </a:pPr>
-            <a:r>
-              <a:rPr lang="en-US" dirty="0" smtClean="0"/>
-              <a:t>Research on Log Analysis</a:t>
-            </a:r>
-          </a:p>
-          <a:p>
-            <a:pPr marL="457200" lvl="1" indent="0">
-              <a:buNone/>
-            </a:pPr>
-            <a:r>
-              <a:rPr lang="en-US" sz="2800" i="1" dirty="0" smtClean="0"/>
-              <a:t>2006-2010 	</a:t>
-            </a:r>
-            <a:r>
-              <a:rPr lang="en-US" sz="2800" dirty="0" smtClean="0"/>
-              <a:t>Research at Georgia Institute of Technology</a:t>
-            </a:r>
-          </a:p>
-          <a:p>
-            <a:pPr lvl="2">
-              <a:buFont typeface="Wingdings" panose="05000000000000000000" pitchFamily="2" charset="2"/>
-              <a:buChar char="§"/>
-            </a:pPr>
-            <a:r>
-              <a:rPr lang="en-US" sz="2800" dirty="0" smtClean="0"/>
-              <a:t>Publications in top tier international conferences</a:t>
-            </a:r>
-          </a:p>
-          <a:p>
-            <a:pPr>
-              <a:buFont typeface="Calibri" panose="020F0502020204030204" pitchFamily="34" charset="0"/>
-              <a:buChar char="—"/>
-            </a:pPr>
-            <a:r>
-              <a:rPr lang="en-US" dirty="0" smtClean="0"/>
-              <a:t>Consulting for Security Log analysis</a:t>
-            </a:r>
-          </a:p>
-          <a:p>
-            <a:pPr marL="457200" lvl="1" indent="0">
-              <a:buNone/>
-            </a:pPr>
-            <a:r>
-              <a:rPr lang="en-US" sz="2800" i="1" dirty="0" smtClean="0"/>
-              <a:t>2014-Present</a:t>
-            </a:r>
-            <a:r>
-              <a:rPr lang="en-US" sz="2800" dirty="0" smtClean="0"/>
-              <a:t> A large retail company with over 30 billion revenues	</a:t>
-            </a:r>
-          </a:p>
-          <a:p>
-            <a:pPr lvl="2">
-              <a:buFont typeface="Wingdings" panose="05000000000000000000" pitchFamily="2" charset="2"/>
-              <a:buChar char="§"/>
-            </a:pPr>
-            <a:r>
-              <a:rPr lang="en-US" sz="2800" dirty="0"/>
-              <a:t>Detected numerous critical security issues using SHARP </a:t>
-            </a:r>
-            <a:r>
-              <a:rPr lang="en-US" sz="2800" dirty="0" smtClean="0"/>
-              <a:t>framework</a:t>
-            </a:r>
-            <a:endParaRPr lang="en-US" sz="2800" dirty="0"/>
-          </a:p>
-          <a:p>
-            <a:pPr marL="457200" lvl="1" indent="0">
-              <a:buNone/>
-            </a:pPr>
-            <a:endParaRPr lang="en-US" sz="2800" dirty="0"/>
-          </a:p>
-          <a:p>
-            <a:pPr marL="914400" lvl="2" indent="0">
-              <a:buNone/>
-            </a:pPr>
-            <a:endParaRPr lang="en-US" sz="2800" dirty="0"/>
-          </a:p>
-          <a:p>
-            <a:pPr lvl="1">
-              <a:buFont typeface="Wingdings" panose="05000000000000000000" pitchFamily="2" charset="2"/>
-              <a:buChar char="§"/>
-            </a:pPr>
-            <a:endParaRPr lang="en-US" sz="2800" dirty="0"/>
-          </a:p>
-          <a:p>
-            <a:pPr>
-              <a:buFont typeface="Wingdings" panose="05000000000000000000" pitchFamily="2" charset="2"/>
-              <a:buChar char="§"/>
-            </a:pPr>
-            <a:endParaRPr lang="en-US" dirty="0" smtClean="0"/>
-          </a:p>
-        </p:txBody>
-      </p:sp>
-      <p:sp>
-        <p:nvSpPr>
           <p:cNvPr id="156" name="Content Placeholder 5"/>
           <p:cNvSpPr txBox="1">
             <a:spLocks/>
@@ -11128,7 +11166,286 @@
       </p:sp>
       <p:sp>
         <p:nvSpPr>
-          <p:cNvPr id="40" name="Title 4"/>
+          <p:cNvPr id="4" name="TextBox 3"/>
+          <p:cNvSpPr txBox="1"/>
+          <p:nvPr/>
+        </p:nvSpPr>
+        <p:spPr>
+          <a:xfrm>
+            <a:off x="948563" y="1491403"/>
+            <a:ext cx="4924696" cy="3170099"/>
+          </a:xfrm>
+          <a:prstGeom prst="rect">
+            <a:avLst/>
+          </a:prstGeom>
+          <a:solidFill>
+            <a:schemeClr val="bg1">
+              <a:lumMod val="95000"/>
+            </a:schemeClr>
+          </a:solidFill>
+        </p:spPr>
+        <p:txBody>
+          <a:bodyPr wrap="square" rtlCol="0">
+            <a:spAutoFit/>
+          </a:bodyPr>
+          <a:lstStyle/>
+          <a:p>
+            <a:pPr algn="ctr"/>
+            <a:r>
+              <a:rPr lang="en-US" dirty="0"/>
+              <a:t>Model </a:t>
+            </a:r>
+            <a:r>
+              <a:rPr lang="en-US" dirty="0" smtClean="0"/>
+              <a:t>Config</a:t>
+            </a:r>
+            <a:endParaRPr lang="en-US" dirty="0"/>
+          </a:p>
+          <a:p>
+            <a:r>
+              <a:rPr lang="en-US" sz="1400" dirty="0" smtClean="0"/>
+              <a:t>&lt;</a:t>
+            </a:r>
+            <a:r>
+              <a:rPr lang="en-US" sz="1400" dirty="0"/>
+              <a:t>conf&gt;</a:t>
+            </a:r>
+          </a:p>
+          <a:p>
+            <a:r>
+              <a:rPr lang="en-US" sz="1400" dirty="0"/>
+              <a:t>    &lt;model-name&gt;test-model&lt;/model-name&gt;</a:t>
+            </a:r>
+          </a:p>
+          <a:p>
+            <a:r>
+              <a:rPr lang="en-US" sz="1400" dirty="0"/>
+              <a:t>    &lt;model-description&gt;some description: testing web url alert model&lt;/model-description&gt;</a:t>
+            </a:r>
+          </a:p>
+          <a:p>
+            <a:r>
+              <a:rPr lang="en-US" sz="1400" dirty="0"/>
+              <a:t>    &lt;log-type&gt;web access log&lt;/log-type&gt;</a:t>
+            </a:r>
+          </a:p>
+          <a:p>
+            <a:r>
+              <a:rPr lang="en-US" sz="1400" dirty="0"/>
+              <a:t>    &lt;log-file&gt;weblog-entries.txt&lt;/log-file&gt;   </a:t>
+            </a:r>
+          </a:p>
+          <a:p>
+            <a:r>
+              <a:rPr lang="en-US" sz="1400" dirty="0" smtClean="0"/>
+              <a:t>    &lt;</a:t>
+            </a:r>
+            <a:r>
+              <a:rPr lang="en-US" sz="1400" dirty="0"/>
+              <a:t>log-formatter&gt;%- %- %- [%t] "%m %u %-&lt;/log-formatter&gt;</a:t>
+            </a:r>
+          </a:p>
+          <a:p>
+            <a:r>
+              <a:rPr lang="en-US" sz="1400" dirty="0" smtClean="0"/>
+              <a:t>    &lt;time-formatter</a:t>
+            </a:r>
+            <a:r>
+              <a:rPr lang="en-US" sz="1400" dirty="0"/>
+              <a:t>&gt;%d/%b/%Y:%H:%M:%S&lt;/</a:t>
+            </a:r>
+            <a:r>
+              <a:rPr lang="en-US" sz="1400" dirty="0" smtClean="0"/>
+              <a:t>time-formatter</a:t>
+            </a:r>
+            <a:r>
+              <a:rPr lang="en-US" sz="1400" dirty="0"/>
+              <a:t>&gt;</a:t>
+            </a:r>
+          </a:p>
+          <a:p>
+            <a:r>
+              <a:rPr lang="en-US" sz="1400" dirty="0"/>
+              <a:t>&lt;/conf</a:t>
+            </a:r>
+            <a:r>
+              <a:rPr lang="en-US" sz="1400" dirty="0" smtClean="0"/>
+              <a:t>&gt;</a:t>
+            </a:r>
+          </a:p>
+          <a:p>
+            <a:pPr marL="285750" indent="-285750">
+              <a:buFont typeface="Wingdings" panose="05000000000000000000" pitchFamily="2" charset="2"/>
+              <a:buChar char="§"/>
+            </a:pPr>
+            <a:r>
+              <a:rPr lang="en-US" sz="1400" dirty="0" smtClean="0"/>
+              <a:t>log-formatter</a:t>
+            </a:r>
+            <a:r>
+              <a:rPr lang="en-US" sz="1400" dirty="0"/>
+              <a:t/>
+            </a:r>
+            <a:br>
+              <a:rPr lang="en-US" sz="1400" dirty="0"/>
+            </a:br>
+            <a:r>
+              <a:rPr lang="en-US" sz="1400" dirty="0" smtClean="0"/>
+              <a:t>%t</a:t>
+            </a:r>
+            <a:r>
+              <a:rPr lang="en-US" sz="1400" dirty="0"/>
+              <a:t>: time %m method %u full url including path and </a:t>
+            </a:r>
+            <a:r>
+              <a:rPr lang="en-US" sz="1400" dirty="0" smtClean="0"/>
+              <a:t>query</a:t>
+            </a:r>
+          </a:p>
+          <a:p>
+            <a:pPr marL="285750" indent="-285750">
+              <a:buFont typeface="Wingdings" panose="05000000000000000000" pitchFamily="2" charset="2"/>
+              <a:buChar char="§"/>
+            </a:pPr>
+            <a:r>
+              <a:rPr lang="en-US" sz="1400" dirty="0" smtClean="0"/>
+              <a:t>time-formatter </a:t>
+            </a:r>
+            <a:br>
+              <a:rPr lang="en-US" sz="1400" dirty="0" smtClean="0"/>
+            </a:br>
+            <a:r>
+              <a:rPr lang="en-US" sz="1400" dirty="0" smtClean="0"/>
+              <a:t>Language (e.g., python) specification</a:t>
+            </a:r>
+            <a:endParaRPr lang="en-US" sz="1400" dirty="0"/>
+          </a:p>
+        </p:txBody>
+      </p:sp>
+      <p:sp>
+        <p:nvSpPr>
+          <p:cNvPr id="6" name="TextBox 5"/>
+          <p:cNvSpPr txBox="1"/>
+          <p:nvPr/>
+        </p:nvSpPr>
+        <p:spPr>
+          <a:xfrm>
+            <a:off x="6252084" y="1515966"/>
+            <a:ext cx="4924696" cy="2308324"/>
+          </a:xfrm>
+          <a:prstGeom prst="rect">
+            <a:avLst/>
+          </a:prstGeom>
+          <a:solidFill>
+            <a:schemeClr val="bg1">
+              <a:lumMod val="95000"/>
+            </a:schemeClr>
+          </a:solidFill>
+        </p:spPr>
+        <p:txBody>
+          <a:bodyPr wrap="square" rtlCol="0">
+            <a:spAutoFit/>
+          </a:bodyPr>
+          <a:lstStyle/>
+          <a:p>
+            <a:pPr algn="ctr"/>
+            <a:r>
+              <a:rPr lang="en-US" dirty="0" smtClean="0"/>
+              <a:t>Model Format</a:t>
+            </a:r>
+            <a:endParaRPr lang="en-US" dirty="0"/>
+          </a:p>
+          <a:p>
+            <a:r>
+              <a:rPr lang="en-US" sz="1400" dirty="0"/>
+              <a:t>&lt;model </a:t>
+            </a:r>
+            <a:r>
+              <a:rPr lang="en-US" sz="1400" dirty="0" err="1" smtClean="0"/>
+              <a:t>init_ts</a:t>
+            </a:r>
+            <a:r>
+              <a:rPr lang="en-US" sz="1400" dirty="0" smtClean="0"/>
+              <a:t>=&gt;</a:t>
+            </a:r>
+            <a:endParaRPr lang="en-US" sz="1400" dirty="0"/>
+          </a:p>
+          <a:p>
+            <a:r>
+              <a:rPr lang="en-US" sz="1400" dirty="0"/>
+              <a:t>    &lt;request&gt;</a:t>
+            </a:r>
+          </a:p>
+          <a:p>
+            <a:r>
+              <a:rPr lang="en-US" sz="1400" dirty="0"/>
+              <a:t>        &lt;method&gt;&lt;/method&gt;</a:t>
+            </a:r>
+          </a:p>
+          <a:p>
+            <a:r>
+              <a:rPr lang="en-US" sz="1400" dirty="0"/>
+              <a:t>        &lt;path&gt; &lt;/path&gt;</a:t>
+            </a:r>
+          </a:p>
+          <a:p>
+            <a:r>
+              <a:rPr lang="en-US" sz="1400" dirty="0"/>
+              <a:t>        &lt;params first-seen=    last-seen=   &gt;</a:t>
+            </a:r>
+          </a:p>
+          <a:p>
+            <a:r>
+              <a:rPr lang="en-US" sz="1400" dirty="0"/>
+              <a:t>	param-name-1, …, param-name-n</a:t>
+            </a:r>
+          </a:p>
+          <a:p>
+            <a:r>
+              <a:rPr lang="en-US" sz="1400" dirty="0"/>
+              <a:t>         &lt;/params&gt;</a:t>
+            </a:r>
+          </a:p>
+          <a:p>
+            <a:r>
+              <a:rPr lang="en-US" sz="1400" dirty="0"/>
+              <a:t>     &lt;/request&gt;</a:t>
+            </a:r>
+          </a:p>
+          <a:p>
+            <a:r>
+              <a:rPr lang="en-US" sz="1400" dirty="0"/>
+              <a:t>&lt;/model&gt;</a:t>
+            </a:r>
+          </a:p>
+        </p:txBody>
+      </p:sp>
+      <p:sp>
+        <p:nvSpPr>
+          <p:cNvPr id="10" name="Footer Placeholder 9"/>
+          <p:cNvSpPr>
+            <a:spLocks noGrp="1"/>
+          </p:cNvSpPr>
+          <p:nvPr>
+            <p:ph type="ftr" sz="quarter" idx="11"/>
+          </p:nvPr>
+        </p:nvSpPr>
+        <p:spPr/>
+        <p:txBody>
+          <a:bodyPr/>
+          <a:lstStyle/>
+          <a:p>
+            <a:r>
+              <a:rPr lang="en-US" smtClean="0"/>
+              <a:t>Confidential. Do not duplicate or distribute without permission from Spec Consulting Inc. www.scybersecurity.com </a:t>
+            </a:r>
+            <a:endParaRPr lang="en-US"/>
+          </a:p>
+        </p:txBody>
+      </p:sp>
+      <p:sp>
+        <p:nvSpPr>
+          <p:cNvPr id="49" name="Title 4"/>
           <p:cNvSpPr>
             <a:spLocks noGrp="1"/>
           </p:cNvSpPr>
@@ -11138,8 +11455,8 @@
         </p:nvSpPr>
         <p:spPr>
           <a:xfrm>
-            <a:off x="0" y="182880"/>
-            <a:ext cx="12147452" cy="640080"/>
+            <a:off x="0" y="182879"/>
+            <a:ext cx="12147452" cy="1336331"/>
           </a:xfrm>
         </p:spPr>
         <p:txBody>
@@ -11150,41 +11467,142 @@
           <a:p>
             <a:pPr algn="ctr"/>
             <a:r>
-              <a:rPr lang="en-US" sz="3600" b="1" dirty="0">
+              <a:rPr lang="en-US" sz="3600" b="1" dirty="0" smtClean="0">
                 <a:latin typeface="+mn-lt"/>
               </a:rPr>
-              <a:t>About Me: Founder of SPEC</a:t>
-            </a:r>
-          </a:p>
-        </p:txBody>
-      </p:sp>
-      <p:sp>
-        <p:nvSpPr>
-          <p:cNvPr id="2" name="Footer Placeholder 1"/>
-          <p:cNvSpPr>
-            <a:spLocks noGrp="1"/>
-          </p:cNvSpPr>
-          <p:nvPr>
-            <p:ph type="ftr" sz="quarter" idx="11"/>
-          </p:nvPr>
-        </p:nvSpPr>
-        <p:spPr/>
-        <p:txBody>
-          <a:bodyPr/>
+              <a:t>An </a:t>
+            </a:r>
+            <a:r>
+              <a:rPr lang="en-US" sz="3600" b="1" dirty="0" smtClean="0">
+                <a:latin typeface="+mn-lt"/>
+              </a:rPr>
+              <a:t>Example: URL Model </a:t>
+            </a:r>
+            <a:br>
+              <a:rPr lang="en-US" sz="3600" b="1" dirty="0" smtClean="0">
+                <a:latin typeface="+mn-lt"/>
+              </a:rPr>
+            </a:br>
+            <a:r>
+              <a:rPr lang="en-US" sz="3600" b="1" dirty="0" smtClean="0">
+                <a:latin typeface="+mn-lt"/>
+              </a:rPr>
+              <a:t>Reporting</a:t>
+            </a:r>
+            <a:endParaRPr lang="en-US" sz="3600" b="1" dirty="0">
+              <a:latin typeface="+mn-lt"/>
+            </a:endParaRPr>
+          </a:p>
+        </p:txBody>
+      </p:sp>
+      <p:sp>
+        <p:nvSpPr>
+          <p:cNvPr id="52" name="TextBox 51"/>
+          <p:cNvSpPr txBox="1"/>
+          <p:nvPr/>
+        </p:nvSpPr>
+        <p:spPr>
+          <a:xfrm>
+            <a:off x="6252084" y="3989753"/>
+            <a:ext cx="4924696" cy="1661993"/>
+          </a:xfrm>
+          <a:prstGeom prst="rect">
+            <a:avLst/>
+          </a:prstGeom>
+          <a:solidFill>
+            <a:schemeClr val="bg1">
+              <a:lumMod val="95000"/>
+            </a:schemeClr>
+          </a:solidFill>
+        </p:spPr>
+        <p:txBody>
+          <a:bodyPr wrap="square" rtlCol="0">
+            <a:spAutoFit/>
+          </a:bodyPr>
           <a:lstStyle/>
           <a:p>
+            <a:pPr algn="ctr"/>
             <a:r>
               <a:rPr lang="en-US" dirty="0" smtClean="0"/>
-              <a:t>Confidential. Do not duplicate or distribute without permission from Spec Consulting Inc. www.scybersecurity.com </a:t>
+              <a:t>Report Format</a:t>
             </a:r>
             <a:endParaRPr lang="en-US" dirty="0"/>
+          </a:p>
+          <a:p>
+            <a:r>
+              <a:rPr lang="en-US" sz="1400" dirty="0" smtClean="0"/>
+              <a:t>&lt;report  </a:t>
+            </a:r>
+            <a:r>
+              <a:rPr lang="en-US" sz="1400" dirty="0" err="1" smtClean="0"/>
+              <a:t>ts</a:t>
+            </a:r>
+            <a:r>
+              <a:rPr lang="en-US" sz="1400" dirty="0" smtClean="0"/>
+              <a:t>= model-name=&gt;</a:t>
+            </a:r>
+            <a:endParaRPr lang="en-US" sz="1400" dirty="0"/>
+          </a:p>
+          <a:p>
+            <a:r>
+              <a:rPr lang="en-US" sz="1400" dirty="0"/>
+              <a:t>    </a:t>
+            </a:r>
+            <a:r>
+              <a:rPr lang="en-US" sz="1400" dirty="0" smtClean="0"/>
+              <a:t>&lt;alert type=&gt;</a:t>
+            </a:r>
+            <a:endParaRPr lang="en-US" sz="1400" dirty="0"/>
+          </a:p>
+          <a:p>
+            <a:r>
+              <a:rPr lang="en-US" sz="1400" dirty="0"/>
+              <a:t>        </a:t>
+            </a:r>
+            <a:r>
+              <a:rPr lang="en-US" sz="1400" smtClean="0"/>
+              <a:t>&lt;detail/&gt;</a:t>
+            </a:r>
+            <a:endParaRPr lang="en-US" sz="1400" dirty="0"/>
+          </a:p>
+          <a:p>
+            <a:r>
+              <a:rPr lang="en-US" sz="1400" dirty="0"/>
+              <a:t>        </a:t>
+            </a:r>
+            <a:r>
+              <a:rPr lang="en-US" sz="1400" dirty="0" smtClean="0"/>
+              <a:t>&lt;</a:t>
+            </a:r>
+            <a:r>
+              <a:rPr lang="en-US" sz="1400" dirty="0" smtClean="0"/>
+              <a:t>original-request</a:t>
+            </a:r>
+            <a:r>
+              <a:rPr lang="en-US" sz="1400" dirty="0" smtClean="0"/>
+              <a:t>/&gt;</a:t>
+            </a:r>
+            <a:endParaRPr lang="en-US" sz="1400" dirty="0"/>
+          </a:p>
+          <a:p>
+            <a:r>
+              <a:rPr lang="en-US" sz="1400" dirty="0" smtClean="0"/>
+              <a:t>    &lt;/alert&gt;</a:t>
+            </a:r>
+          </a:p>
+          <a:p>
+            <a:r>
+              <a:rPr lang="en-US" sz="1400" dirty="0" smtClean="0"/>
+              <a:t>&lt;/report&gt;</a:t>
+            </a:r>
+            <a:endParaRPr lang="en-US" sz="1400" dirty="0"/>
           </a:p>
         </p:txBody>
       </p:sp>
     </p:spTree>
     <p:extLst>
       <p:ext uri="{BB962C8B-B14F-4D97-AF65-F5344CB8AC3E}">
-        <p14:creationId xmlns:p14="http://schemas.microsoft.com/office/powerpoint/2010/main" val="2105492116"/>
+        <p14:creationId xmlns:p14="http://schemas.microsoft.com/office/powerpoint/2010/main" val="4060926774"/>
       </p:ext>
     </p:extLst>
   </p:cSld>
@@ -11456,7 +11874,7 @@
   <a:extraClrSchemeLst/>
   <a:extLst>
     <a:ext uri="{05A4C25C-085E-4340-85A3-A5531E510DB2}">
-      <thm15:themeFamily xmlns="" xmlns:thm15="http://schemas.microsoft.com/office/thememl/2012/main" name="Office Theme" id="{62F939B6-93AF-4DB8-9C6B-D6C7DFDC589F}" vid="{4A3C46E8-61CC-4603-A589-7422A47A8E4A}"/>
+      <thm15:themeFamily xmlns:thm15="http://schemas.microsoft.com/office/thememl/2012/main" xmlns="" name="Office Theme" id="{62F939B6-93AF-4DB8-9C6B-D6C7DFDC589F}" vid="{4A3C46E8-61CC-4603-A589-7422A47A8E4A}"/>
     </a:ext>
   </a:extLst>
 </a:theme>
